--- a/Status Updates/2014 03 28.pptx
+++ b/Status Updates/2014 03 28.pptx
@@ -10,8 +10,9 @@
     <p:sldId id="262" r:id="rId4"/>
     <p:sldId id="264" r:id="rId5"/>
     <p:sldId id="265" r:id="rId6"/>
-    <p:sldId id="266" r:id="rId7"/>
-    <p:sldId id="263" r:id="rId8"/>
+    <p:sldId id="267" r:id="rId7"/>
+    <p:sldId id="266" r:id="rId8"/>
+    <p:sldId id="263" r:id="rId9"/>
   </p:sldIdLst>
   <p:sldSz cx="9144000" cy="6858000" type="screen4x3"/>
   <p:notesSz cx="7010400" cy="9296400"/>
@@ -112,7 +113,7 @@
   </p:defaultTextStyle>
   <p:extLst>
     <p:ext uri="{EFAFB233-063F-42B5-8137-9DF3F51BA10A}">
-      <p15:sldGuideLst xmlns="" xmlns:p15="http://schemas.microsoft.com/office/powerpoint/2012/main">
+      <p15:sldGuideLst xmlns:p15="http://schemas.microsoft.com/office/powerpoint/2012/main" xmlns="">
         <p15:guide id="1" orient="horz" pos="2160">
           <p15:clr>
             <a:srgbClr val="A4A3A4"/>
@@ -323,7 +324,7 @@
           <a:p>
             <a:fld id="{B790700D-980F-41A9-9E1A-E28F7DB87F53}" type="datetimeFigureOut">
               <a:rPr lang="en-US" smtClean="0"/>
-              <a:t>3/27/2014</a:t>
+              <a:t>3/27/14</a:t>
             </a:fld>
             <a:endParaRPr lang="en-US"/>
           </a:p>
@@ -488,7 +489,7 @@
           <a:p>
             <a:fld id="{B790700D-980F-41A9-9E1A-E28F7DB87F53}" type="datetimeFigureOut">
               <a:rPr lang="en-US" smtClean="0"/>
-              <a:t>3/27/2014</a:t>
+              <a:t>3/27/14</a:t>
             </a:fld>
             <a:endParaRPr lang="en-US"/>
           </a:p>
@@ -663,7 +664,7 @@
           <a:p>
             <a:fld id="{B790700D-980F-41A9-9E1A-E28F7DB87F53}" type="datetimeFigureOut">
               <a:rPr lang="en-US" smtClean="0"/>
-              <a:t>3/27/2014</a:t>
+              <a:t>3/27/14</a:t>
             </a:fld>
             <a:endParaRPr lang="en-US"/>
           </a:p>
@@ -828,7 +829,7 @@
           <a:p>
             <a:fld id="{B790700D-980F-41A9-9E1A-E28F7DB87F53}" type="datetimeFigureOut">
               <a:rPr lang="en-US" smtClean="0"/>
-              <a:t>3/27/2014</a:t>
+              <a:t>3/27/14</a:t>
             </a:fld>
             <a:endParaRPr lang="en-US"/>
           </a:p>
@@ -1069,7 +1070,7 @@
           <a:p>
             <a:fld id="{B790700D-980F-41A9-9E1A-E28F7DB87F53}" type="datetimeFigureOut">
               <a:rPr lang="en-US" smtClean="0"/>
-              <a:t>3/27/2014</a:t>
+              <a:t>3/27/14</a:t>
             </a:fld>
             <a:endParaRPr lang="en-US"/>
           </a:p>
@@ -1352,7 +1353,7 @@
           <a:p>
             <a:fld id="{B790700D-980F-41A9-9E1A-E28F7DB87F53}" type="datetimeFigureOut">
               <a:rPr lang="en-US" smtClean="0"/>
-              <a:t>3/27/2014</a:t>
+              <a:t>3/27/14</a:t>
             </a:fld>
             <a:endParaRPr lang="en-US"/>
           </a:p>
@@ -1781,7 +1782,7 @@
           <a:p>
             <a:fld id="{B790700D-980F-41A9-9E1A-E28F7DB87F53}" type="datetimeFigureOut">
               <a:rPr lang="en-US" smtClean="0"/>
-              <a:t>3/27/2014</a:t>
+              <a:t>3/27/14</a:t>
             </a:fld>
             <a:endParaRPr lang="en-US"/>
           </a:p>
@@ -1894,7 +1895,7 @@
           <a:p>
             <a:fld id="{B790700D-980F-41A9-9E1A-E28F7DB87F53}" type="datetimeFigureOut">
               <a:rPr lang="en-US" smtClean="0"/>
-              <a:t>3/27/2014</a:t>
+              <a:t>3/27/14</a:t>
             </a:fld>
             <a:endParaRPr lang="en-US"/>
           </a:p>
@@ -1984,7 +1985,7 @@
           <a:p>
             <a:fld id="{B790700D-980F-41A9-9E1A-E28F7DB87F53}" type="datetimeFigureOut">
               <a:rPr lang="en-US" smtClean="0"/>
-              <a:t>3/27/2014</a:t>
+              <a:t>3/27/14</a:t>
             </a:fld>
             <a:endParaRPr lang="en-US"/>
           </a:p>
@@ -2173,7 +2174,7 @@
           <a:p>
             <a:fld id="{B790700D-980F-41A9-9E1A-E28F7DB87F53}" type="datetimeFigureOut">
               <a:rPr lang="en-US" smtClean="0"/>
-              <a:t>3/27/2014</a:t>
+              <a:t>3/27/14</a:t>
             </a:fld>
             <a:endParaRPr lang="en-US"/>
           </a:p>
@@ -2491,7 +2492,7 @@
           <a:p>
             <a:fld id="{B790700D-980F-41A9-9E1A-E28F7DB87F53}" type="datetimeFigureOut">
               <a:rPr lang="en-US" smtClean="0"/>
-              <a:t>3/27/2014</a:t>
+              <a:t>3/27/14</a:t>
             </a:fld>
             <a:endParaRPr lang="en-US"/>
           </a:p>
@@ -2870,7 +2871,7 @@
           <a:p>
             <a:fld id="{B790700D-980F-41A9-9E1A-E28F7DB87F53}" type="datetimeFigureOut">
               <a:rPr lang="en-US" smtClean="0"/>
-              <a:t>3/27/2014</a:t>
+              <a:t>3/27/14</a:t>
             </a:fld>
             <a:endParaRPr lang="en-US"/>
           </a:p>
@@ -3295,7 +3296,7 @@
   <p:timing>
     <p:tnLst>
       <p:par>
-        <p:cTn id="1" dur="indefinite" restart="never" nodeType="tmRoot"/>
+        <p:cTn xmlns:p14="http://schemas.microsoft.com/office/powerpoint/2010/main" id="1" dur="indefinite" restart="never" nodeType="tmRoot"/>
       </p:par>
     </p:tnLst>
   </p:timing>
@@ -3363,7 +3364,7 @@
         </p:nvGraphicFramePr>
         <p:xfrm>
           <a:off x="304800" y="609600"/>
-          <a:ext cx="8305800" cy="6202672"/>
+          <a:ext cx="8305800" cy="6202671"/>
         </p:xfrm>
         <a:graphic>
           <a:graphicData uri="http://schemas.openxmlformats.org/drawingml/2006/table">
@@ -8301,8 +8302,58 @@
           <a:p>
             <a:r>
               <a:rPr lang="en-US" dirty="0" smtClean="0"/>
+              <a:t>Implemented </a:t>
+            </a:r>
+          </a:p>
+          <a:p>
+            <a:pPr lvl="1"/>
+            <a:r>
+              <a:rPr lang="en-US" dirty="0" smtClean="0"/>
+              <a:t>24/24 Commands in </a:t>
+            </a:r>
+            <a:r>
+              <a:rPr lang="en-US" dirty="0" err="1" smtClean="0"/>
+              <a:t>CommandStructure</a:t>
+            </a:r>
+            <a:endParaRPr lang="en-US" dirty="0" smtClean="0"/>
+          </a:p>
+          <a:p>
+            <a:pPr lvl="1"/>
+            <a:r>
+              <a:rPr lang="en-US" dirty="0" err="1" smtClean="0"/>
+              <a:t>XmlPersistenceFramework</a:t>
+            </a:r>
+            <a:endParaRPr lang="en-US" dirty="0" smtClean="0"/>
+          </a:p>
+          <a:p>
+            <a:pPr lvl="1"/>
+            <a:r>
+              <a:rPr lang="en-US" dirty="0" smtClean="0"/>
+              <a:t>24/26 Tests (complete by Tuesday)</a:t>
+            </a:r>
+          </a:p>
+          <a:p>
+            <a:pPr lvl="2"/>
+            <a:r>
+              <a:rPr lang="en-US" dirty="0" err="1" smtClean="0"/>
+              <a:t>XmlPersistenceFramework</a:t>
+            </a:r>
+            <a:endParaRPr lang="en-US" dirty="0" smtClean="0"/>
+          </a:p>
+          <a:p>
+            <a:pPr lvl="2"/>
+            <a:r>
+              <a:rPr lang="en-US" dirty="0" err="1" smtClean="0"/>
+              <a:t>GetPrintJobConfguration</a:t>
+            </a:r>
+            <a:endParaRPr lang="en-US" dirty="0" smtClean="0"/>
+          </a:p>
+          <a:p>
+            <a:r>
+              <a:rPr lang="en-US" dirty="0" smtClean="0"/>
               <a:t>Issues</a:t>
             </a:r>
+            <a:endParaRPr lang="en-US" dirty="0" smtClean="0"/>
           </a:p>
           <a:p>
             <a:pPr lvl="1"/>
@@ -8319,31 +8370,12 @@
             </a:r>
             <a:r>
               <a:rPr lang="en-US" dirty="0" smtClean="0"/>
-              <a:t> Issue</a:t>
-            </a:r>
-          </a:p>
-          <a:p>
+              <a:t> </a:t>
+            </a:r>
             <a:r>
               <a:rPr lang="en-US" dirty="0" smtClean="0"/>
-              <a:t>Successes</a:t>
-            </a:r>
-          </a:p>
-          <a:p>
-            <a:pPr lvl="1"/>
-            <a:r>
-              <a:rPr lang="en-US" dirty="0" smtClean="0"/>
-              <a:t>All modules implemented</a:t>
-            </a:r>
-          </a:p>
-          <a:p>
-            <a:pPr lvl="1"/>
-            <a:r>
-              <a:rPr lang="en-US" dirty="0" smtClean="0"/>
-              <a:t>95% Tested</a:t>
-            </a:r>
-          </a:p>
-          <a:p>
-            <a:pPr lvl="1"/>
+              <a:t>Issue</a:t>
+            </a:r>
             <a:endParaRPr lang="en-US" dirty="0"/>
           </a:p>
           <a:p>
@@ -8552,6 +8584,147 @@
             <a:spLocks noGrp="1"/>
           </p:cNvSpPr>
           <p:nvPr>
+            <p:ph type="title"/>
+          </p:nvPr>
+        </p:nvSpPr>
+        <p:spPr/>
+        <p:txBody>
+          <a:bodyPr/>
+          <a:lstStyle/>
+          <a:p>
+            <a:r>
+              <a:rPr lang="en-US" dirty="0" smtClean="0"/>
+              <a:t>Processing Layers</a:t>
+            </a:r>
+            <a:endParaRPr lang="en-US" dirty="0"/>
+          </a:p>
+        </p:txBody>
+      </p:sp>
+      <p:sp>
+        <p:nvSpPr>
+          <p:cNvPr id="3" name="Content Placeholder 2"/>
+          <p:cNvSpPr>
+            <a:spLocks noGrp="1"/>
+          </p:cNvSpPr>
+          <p:nvPr>
+            <p:ph idx="1"/>
+          </p:nvPr>
+        </p:nvSpPr>
+        <p:spPr/>
+        <p:txBody>
+          <a:bodyPr>
+            <a:normAutofit/>
+          </a:bodyPr>
+          <a:lstStyle/>
+          <a:p>
+            <a:r>
+              <a:rPr lang="en-US" dirty="0" smtClean="0"/>
+              <a:t>Implementations Completed</a:t>
+            </a:r>
+          </a:p>
+          <a:p>
+            <a:pPr lvl="1"/>
+            <a:r>
+              <a:rPr lang="en-US" dirty="0" smtClean="0"/>
+              <a:t>Object File Translation Module</a:t>
+            </a:r>
+          </a:p>
+          <a:p>
+            <a:pPr lvl="1"/>
+            <a:r>
+              <a:rPr lang="en-US" dirty="0" smtClean="0"/>
+              <a:t>Subsection Module</a:t>
+            </a:r>
+          </a:p>
+          <a:p>
+            <a:r>
+              <a:rPr lang="en-US" dirty="0" smtClean="0"/>
+              <a:t>Testing Completed</a:t>
+            </a:r>
+          </a:p>
+          <a:p>
+            <a:pPr lvl="1"/>
+            <a:r>
+              <a:rPr lang="en-US" dirty="0" smtClean="0"/>
+              <a:t>Object File Translation Module</a:t>
+            </a:r>
+          </a:p>
+          <a:p>
+            <a:r>
+              <a:rPr lang="en-US" dirty="0" smtClean="0"/>
+              <a:t>In progress</a:t>
+            </a:r>
+          </a:p>
+          <a:p>
+            <a:pPr lvl="1"/>
+            <a:r>
+              <a:rPr lang="en-US" dirty="0" smtClean="0"/>
+              <a:t>Subsection Module Testing</a:t>
+            </a:r>
+          </a:p>
+          <a:p>
+            <a:pPr lvl="1"/>
+            <a:r>
+              <a:rPr lang="en-US" dirty="0" smtClean="0"/>
+              <a:t>Slicing Engine Module Implementation</a:t>
+            </a:r>
+          </a:p>
+          <a:p>
+            <a:r>
+              <a:rPr lang="en-US" dirty="0" smtClean="0"/>
+              <a:t>By Tuesday</a:t>
+            </a:r>
+          </a:p>
+          <a:p>
+            <a:pPr lvl="1"/>
+            <a:r>
+              <a:rPr lang="en-US" dirty="0" smtClean="0"/>
+              <a:t>Processing Layers complete (implementation and testing)</a:t>
+            </a:r>
+          </a:p>
+          <a:p>
+            <a:pPr lvl="1"/>
+            <a:endParaRPr lang="en-US" dirty="0"/>
+          </a:p>
+        </p:txBody>
+      </p:sp>
+    </p:spTree>
+    <p:extLst>
+      <p:ext uri="{BB962C8B-B14F-4D97-AF65-F5344CB8AC3E}">
+        <p14:creationId xmlns:p14="http://schemas.microsoft.com/office/powerpoint/2010/main" val="2196734447"/>
+      </p:ext>
+    </p:extLst>
+  </p:cSld>
+  <p:clrMapOvr>
+    <a:masterClrMapping/>
+  </p:clrMapOvr>
+</p:sld>
+</file>
+
+<file path=ppt/slides/slide7.xml><?xml version="1.0" encoding="utf-8"?>
+<p:sld xmlns:a="http://schemas.openxmlformats.org/drawingml/2006/main" xmlns:r="http://schemas.openxmlformats.org/officeDocument/2006/relationships" xmlns:p="http://schemas.openxmlformats.org/presentationml/2006/main">
+  <p:cSld>
+    <p:spTree>
+      <p:nvGrpSpPr>
+        <p:cNvPr id="1" name=""/>
+        <p:cNvGrpSpPr/>
+        <p:nvPr/>
+      </p:nvGrpSpPr>
+      <p:grpSpPr>
+        <a:xfrm>
+          <a:off x="0" y="0"/>
+          <a:ext cx="0" cy="0"/>
+          <a:chOff x="0" y="0"/>
+          <a:chExt cx="0" cy="0"/>
+        </a:xfrm>
+      </p:grpSpPr>
+      <p:sp>
+        <p:nvSpPr>
+          <p:cNvPr id="2" name="Title 1"/>
+          <p:cNvSpPr>
+            <a:spLocks noGrp="1"/>
+          </p:cNvSpPr>
+          <p:nvPr>
             <p:ph type="ctrTitle"/>
           </p:nvPr>
         </p:nvSpPr>
@@ -8715,7 +8888,7 @@
 </p:sld>
 </file>
 
-<file path=ppt/slides/slide7.xml><?xml version="1.0" encoding="utf-8"?>
+<file path=ppt/slides/slide8.xml><?xml version="1.0" encoding="utf-8"?>
 <p:sld xmlns:a="http://schemas.openxmlformats.org/drawingml/2006/main" xmlns:r="http://schemas.openxmlformats.org/officeDocument/2006/relationships" xmlns:p="http://schemas.openxmlformats.org/presentationml/2006/main">
   <p:cSld>
     <p:spTree>
